--- a/slides/ChanGomezMTAPredictorSlides.pptx
+++ b/slides/ChanGomezMTAPredictorSlides.pptx
@@ -323,6 +323,11 @@
       </a:defRPr>
     </a:lvl9pPr>
   </p:defaultTextStyle>
+  <p:extLst>
+    <p:ext uri="{EFAFB233-063F-42B5-8137-9DF3F51BA10A}">
+      <p15:sldGuideLst xmlns:p15="http://schemas.microsoft.com/office/powerpoint/2012/main"/>
+    </p:ext>
+  </p:extLst>
 </p:presentation>
 </file>
 
@@ -3581,14 +3586,114 @@
               </a:defRPr>
             </a:pPr>
             <a:r>
-              <a:rPr dirty="0"/>
-              <a:t>Demo</a:t>
-            </a:r>
-            <a:r>
-              <a:rPr dirty="0" smtClean="0"/>
-              <a:t>!</a:t>
-            </a:r>
+              <a:rPr lang="en-US" dirty="0">
+                <a:hlinkClick r:id="rId2"/>
+              </a:rPr>
+              <a:t>https://public.tableau.com</a:t>
+            </a:r>
+            <a:r>
+              <a:rPr lang="en-US">
+                <a:hlinkClick r:id="rId2"/>
+              </a:rPr>
+              <a:t>/profile/jason1379</a:t>
+            </a:r>
+            <a:r>
+              <a:rPr lang="en-US" smtClean="0">
+                <a:hlinkClick r:id="rId2"/>
+              </a:rPr>
+              <a:t>#!/</a:t>
+            </a:r>
+            <a:endParaRPr lang="en-US" smtClean="0"/>
+          </a:p>
+          <a:p>
+            <a:pPr marL="0" indent="0">
+              <a:spcBef>
+                <a:spcPts val="600"/>
+              </a:spcBef>
+              <a:buSzTx/>
+              <a:buFont typeface="Wingdings"/>
+              <a:buNone/>
+              <a:defRPr sz="2800">
+                <a:latin typeface="Century"/>
+                <a:ea typeface="Century"/>
+                <a:cs typeface="Century"/>
+                <a:sym typeface="Century"/>
+              </a:defRPr>
+            </a:pPr>
             <a:endParaRPr dirty="0"/>
+          </a:p>
+        </p:txBody>
+      </p:sp>
+      <p:sp>
+        <p:nvSpPr>
+          <p:cNvPr id="2" name="TextBox 1"/>
+          <p:cNvSpPr txBox="1"/>
+          <p:nvPr/>
+        </p:nvSpPr>
+        <p:spPr>
+          <a:xfrm>
+            <a:off x="1678488" y="1528175"/>
+            <a:ext cx="92396" cy="307775"/>
+          </a:xfrm>
+          <a:prstGeom prst="rect">
+            <a:avLst/>
+          </a:prstGeom>
+          <a:noFill/>
+          <a:ln w="12700" cap="flat">
+            <a:noFill/>
+            <a:miter lim="400000"/>
+          </a:ln>
+          <a:effectLst/>
+          <a:sp3d/>
+        </p:spPr>
+        <p:style>
+          <a:lnRef idx="0">
+            <a:scrgbClr r="0" g="0" b="0"/>
+          </a:lnRef>
+          <a:fillRef idx="0">
+            <a:scrgbClr r="0" g="0" b="0"/>
+          </a:fillRef>
+          <a:effectRef idx="0">
+            <a:scrgbClr r="0" g="0" b="0"/>
+          </a:effectRef>
+          <a:fontRef idx="none"/>
+        </p:style>
+        <p:txBody>
+          <a:bodyPr rot="0" spcFirstLastPara="1" vertOverflow="overflow" horzOverflow="overflow" vert="horz" wrap="none" lIns="45719" tIns="45719" rIns="45719" bIns="45719" numCol="1" spcCol="38100" rtlCol="0" anchor="t">
+            <a:spAutoFit/>
+          </a:bodyPr>
+          <a:lstStyle/>
+          <a:p>
+            <a:pPr marL="0" marR="0" indent="0" algn="l" defTabSz="914400" rtl="0" fontAlgn="auto" latinLnBrk="0" hangingPunct="0">
+              <a:lnSpc>
+                <a:spcPct val="100000"/>
+              </a:lnSpc>
+              <a:spcBef>
+                <a:spcPts val="0"/>
+              </a:spcBef>
+              <a:spcAft>
+                <a:spcPts val="0"/>
+              </a:spcAft>
+              <a:buClrTx/>
+              <a:buSzTx/>
+              <a:buFontTx/>
+              <a:buNone/>
+              <a:tabLst/>
+            </a:pPr>
+            <a:endParaRPr kumimoji="0" lang="en-US" sz="1400" b="0" i="0" u="none" strike="noStrike" cap="none" spc="0" normalizeH="0" baseline="0" dirty="0">
+              <a:ln>
+                <a:noFill/>
+              </a:ln>
+              <a:solidFill>
+                <a:srgbClr val="000000"/>
+              </a:solidFill>
+              <a:effectLst/>
+              <a:uFillTx/>
+              <a:latin typeface="+mj-lt"/>
+              <a:ea typeface="+mj-ea"/>
+              <a:cs typeface="+mj-cs"/>
+              <a:sym typeface="Arial"/>
+            </a:endParaRPr>
           </a:p>
         </p:txBody>
       </p:sp>
@@ -5143,15 +5248,7 @@
                   <a:srgbClr val="FF0000"/>
                 </a:solidFill>
               </a:rPr>
-              <a:t>Daily weather summary for a collection New York City region weather stations. </a:t>
-            </a:r>
-            <a:r>
-              <a:rPr lang="en-US" dirty="0" smtClean="0">
-                <a:solidFill>
-                  <a:srgbClr val="FF0000"/>
-                </a:solidFill>
-              </a:rPr>
-              <a:t>Data points included average wind speed, inches of rain, inches of snow, and average daily temperature.</a:t>
+              <a:t>Daily weather summary for a collection New York City region weather stations. Data points included average wind speed, inches of rain, inches of snow, and average daily temperature.</a:t>
             </a:r>
             <a:endParaRPr dirty="0">
               <a:solidFill>
